--- a/SSDProject_Team_AmazingReviewer.pptx
+++ b/SSDProject_Team_AmazingReviewer.pptx
@@ -16171,6 +16171,33 @@
             <a:r>
               <a:rPr lang="en-US" dirty="0" err="1"/>
               <a:t>활용</a:t>
+            </a:r>
+            <a:endParaRPr lang="en-US" dirty="0"/>
+          </a:p>
+          <a:p>
+            <a:pPr marL="457200" lvl="0" indent="-342900" algn="l" rtl="0">
+              <a:lnSpc>
+                <a:spcPct val="90000"/>
+              </a:lnSpc>
+              <a:spcBef>
+                <a:spcPts val="1000"/>
+              </a:spcBef>
+              <a:spcAft>
+                <a:spcPts val="0"/>
+              </a:spcAft>
+              <a:buClr>
+                <a:schemeClr val="dk1"/>
+              </a:buClr>
+              <a:buSzPts val="1800"/>
+              <a:buChar char="•"/>
+            </a:pPr>
+            <a:r>
+              <a:rPr lang="ko-KR" altLang="en-US" dirty="0" err="1"/>
+              <a:t>비기능</a:t>
+            </a:r>
+            <a:r>
+              <a:rPr lang="ko-KR" altLang="en-US"/>
+              <a:t> 구현 </a:t>
             </a:r>
             <a:endParaRPr dirty="0"/>
           </a:p>

--- a/SSDProject_Team_AmazingReviewer.pptx
+++ b/SSDProject_Team_AmazingReviewer.pptx
@@ -27763,7 +27763,7 @@
                 <a:cs typeface="Arial"/>
                 <a:sym typeface="Arial"/>
               </a:rPr>
-              <a:t>: latest.log, until_.log/.zip </a:t>
+              <a:t>: </a:t>
             </a:r>
             <a:r>
               <a:rPr lang="en-US" sz="1400" b="0" i="0" u="none" strike="noStrike" cap="none" dirty="0" err="1">
@@ -27790,7 +27790,7 @@
               <a:t> </a:t>
             </a:r>
             <a:r>
-              <a:rPr lang="en-US" sz="1400" b="0" i="0" u="none" strike="noStrike" cap="none" dirty="0" err="1">
+              <a:rPr lang="ko-KR" altLang="en-US" sz="1400" b="0" i="0" u="none" strike="noStrike" cap="none">
                 <a:solidFill>
                   <a:schemeClr val="dk1"/>
                 </a:solidFill>
@@ -27799,7 +27799,7 @@
                 <a:cs typeface="Arial"/>
                 <a:sym typeface="Arial"/>
               </a:rPr>
-              <a:t>관리</a:t>
+              <a:t>관련 기능 제공</a:t>
             </a:r>
             <a:endParaRPr dirty="0"/>
           </a:p>
